--- a/Presentation.pptx
+++ b/Presentation.pptx
@@ -3128,7 +3128,7 @@
                 <a:spcPct val="100000"/>
               </a:lnSpc>
             </a:pPr>
-            <a:fld id="{83F83A52-13A1-49C5-819E-EEF813EDEE06}" type="slidenum">
+            <a:fld id="{D2AC9B65-A888-44C5-81B2-CE7CA4B24A4F}" type="slidenum">
               <a:rPr b="0" lang="en-GB" sz="1340" spc="-1" strike="noStrike">
                 <a:solidFill>
                   <a:srgbClr val="616161"/>
@@ -4369,7 +4369,7 @@
                 <a:latin typeface="Roboto"/>
                 <a:ea typeface="Roboto"/>
               </a:rPr>
-              <a:t>Parallel computing is a type of computation in which many calculations or </a:t>
+              <a:t>Parallellism is a type of computation in which many calculations or the </a:t>
             </a:r>
             <a:r>
               <a:rPr b="0" lang="en-GB" sz="2400" spc="-1" strike="noStrike">
@@ -4379,7 +4379,7 @@
                 <a:latin typeface="Roboto"/>
                 <a:ea typeface="Roboto"/>
               </a:rPr>
-              <a:t>the execution of processes are carried out simultaneously.</a:t>
+              <a:t>execution of processes are carried out simultaneously.</a:t>
             </a:r>
             <a:endParaRPr b="0" lang="en-GB" sz="2400" spc="-1" strike="noStrike">
               <a:latin typeface="Arial"/>
@@ -4407,7 +4407,7 @@
                 <a:latin typeface="Roboto"/>
                 <a:ea typeface="Roboto"/>
               </a:rPr>
-              <a:t>Concurrent computing is a form of computing in which several </a:t>
+              <a:t>concurrency refers to the ability of different parts or units of a program, </a:t>
             </a:r>
             <a:r>
               <a:rPr b="0" lang="en-GB" sz="2400" spc="-1" strike="noStrike">
@@ -4417,7 +4417,7 @@
                 <a:latin typeface="Roboto"/>
                 <a:ea typeface="Roboto"/>
               </a:rPr>
-              <a:t>computations are executed during overlapping time periods—concurrently</a:t>
+              <a:t>algorithm, or problem to be executed out-of-order or in partial order, </a:t>
             </a:r>
             <a:r>
               <a:rPr b="0" lang="en-GB" sz="2400" spc="-1" strike="noStrike">
@@ -4427,7 +4427,7 @@
                 <a:latin typeface="Roboto"/>
                 <a:ea typeface="Roboto"/>
               </a:rPr>
-              <a:t>—instead of sequentially </a:t>
+              <a:t>without affecting the final outcome </a:t>
             </a:r>
             <a:endParaRPr b="0" lang="en-GB" sz="2400" spc="-1" strike="noStrike">
               <a:latin typeface="Arial"/>
@@ -5158,7 +5158,7 @@
                 <a:latin typeface="Roboto Bk"/>
                 <a:ea typeface="Arial"/>
               </a:rPr>
-              <a:t>Understanding Parallelism</a:t>
+              <a:t>Concurrency and Parallelism</a:t>
             </a:r>
             <a:endParaRPr b="0" lang="en-GB" sz="3600" spc="-1" strike="noStrike">
               <a:latin typeface="Arial"/>
@@ -5174,7 +5174,7 @@
         </p:nvSpPr>
         <p:spPr>
           <a:xfrm>
-            <a:off x="1565640" y="1199880"/>
+            <a:off x="1637640" y="983880"/>
             <a:ext cx="9594360" cy="4344120"/>
           </a:xfrm>
           <a:prstGeom prst="rect">
@@ -5244,6 +5244,112 @@
                 <a:ea typeface="Roboto"/>
               </a:rPr>
               <a:t>One concept used in programming parallel programs is the future concept, where one part of a program promises to deliver a required datum to another part of a program at some future time.</a:t>
+            </a:r>
+            <a:endParaRPr b="0" lang="en-GB" sz="2000" spc="-1" strike="noStrike">
+              <a:latin typeface="Arial"/>
+            </a:endParaRPr>
+          </a:p>
+          <a:p>
+            <a:pPr marL="457200" indent="-405720">
+              <a:lnSpc>
+                <a:spcPct val="150000"/>
+              </a:lnSpc>
+              <a:spcBef>
+                <a:spcPts val="1001"/>
+              </a:spcBef>
+              <a:buClr>
+                <a:srgbClr val="000000"/>
+              </a:buClr>
+              <a:buFont typeface="Arial"/>
+              <a:buChar char="•"/>
+            </a:pPr>
+            <a:r>
+              <a:rPr b="0" lang="en-GB" sz="2000" spc="-1" strike="noStrike">
+                <a:solidFill>
+                  <a:srgbClr val="000000"/>
+                </a:solidFill>
+                <a:latin typeface="Roboto"/>
+                <a:ea typeface="Roboto"/>
+              </a:rPr>
+              <a:t>The </a:t>
+            </a:r>
+            <a:r>
+              <a:rPr b="0" lang="en-GB" sz="2000" spc="-1" strike="noStrike">
+                <a:solidFill>
+                  <a:srgbClr val="ed1c24"/>
+                </a:solidFill>
+                <a:latin typeface="Roboto"/>
+                <a:ea typeface="Roboto"/>
+              </a:rPr>
+              <a:t>concurrent.futures  </a:t>
+            </a:r>
+            <a:r>
+              <a:rPr b="0" lang="en-GB" sz="2000" spc="-1" strike="noStrike">
+                <a:solidFill>
+                  <a:srgbClr val="000000"/>
+                </a:solidFill>
+                <a:latin typeface="Roboto"/>
+                <a:ea typeface="Roboto"/>
+              </a:rPr>
+              <a:t>in python module provides a high-level interface for asynchronously executing callables using Futures. Futures encapsulate pending operations so that they can be put in queues, their state of completion can be queried, and their results (or exceptions) can be retrieved when available.</a:t>
+            </a:r>
+            <a:endParaRPr b="0" lang="en-GB" sz="2000" spc="-1" strike="noStrike">
+              <a:latin typeface="Arial"/>
+            </a:endParaRPr>
+          </a:p>
+          <a:p>
+            <a:pPr marL="457200" indent="-405720">
+              <a:lnSpc>
+                <a:spcPct val="150000"/>
+              </a:lnSpc>
+              <a:spcBef>
+                <a:spcPts val="1001"/>
+              </a:spcBef>
+              <a:buClr>
+                <a:srgbClr val="000000"/>
+              </a:buClr>
+              <a:buFont typeface="Arial"/>
+              <a:buChar char="•"/>
+            </a:pPr>
+            <a:r>
+              <a:rPr b="0" lang="en-GB" sz="2000" spc="-1" strike="noStrike">
+                <a:solidFill>
+                  <a:srgbClr val="000000"/>
+                </a:solidFill>
+                <a:latin typeface="Roboto"/>
+                <a:ea typeface="Roboto"/>
+              </a:rPr>
+              <a:t>Futures are also essential components of </a:t>
+            </a:r>
+            <a:r>
+              <a:rPr b="0" lang="en-GB" sz="2000" spc="-1" strike="noStrike">
+                <a:solidFill>
+                  <a:srgbClr val="ed1c24"/>
+                </a:solidFill>
+                <a:latin typeface="Roboto"/>
+                <a:ea typeface="Roboto"/>
+              </a:rPr>
+              <a:t>asyncio </a:t>
+            </a:r>
+            <a:r>
+              <a:rPr b="0" lang="en-GB" sz="2000" spc="-1" strike="noStrike">
+                <a:solidFill>
+                  <a:srgbClr val="000000"/>
+                </a:solidFill>
+                <a:latin typeface="Roboto"/>
+                <a:ea typeface="Roboto"/>
+              </a:rPr>
+              <a:t>Libraries. This is similar to the the Deferred class in </a:t>
+            </a:r>
+            <a:r>
+              <a:rPr b="0" lang="en-GB" sz="2000" spc="-1" strike="noStrike">
+                <a:solidFill>
+                  <a:srgbClr val="ed1c24"/>
+                </a:solidFill>
+                <a:latin typeface="Roboto"/>
+                <a:ea typeface="Roboto"/>
+              </a:rPr>
+              <a:t>Twisted</a:t>
             </a:r>
             <a:endParaRPr b="0" lang="en-GB" sz="2000" spc="-1" strike="noStrike">
               <a:latin typeface="Arial"/>
@@ -5341,7 +5447,7 @@
                 <a:latin typeface="Roboto Bk"/>
                 <a:ea typeface="Arial"/>
               </a:rPr>
-              <a:t>Futures</a:t>
+              <a:t>Where does Python stand in this?</a:t>
             </a:r>
             <a:endParaRPr b="0" lang="en-GB" sz="3600" spc="-1" strike="noStrike">
               <a:latin typeface="Arial"/>
@@ -5398,7 +5504,37 @@
                 <a:latin typeface="Roboto"/>
                 <a:ea typeface="Roboto"/>
               </a:rPr>
-              <a:t>Not all parallelization results in speed-up</a:t>
+              <a:t>Futures method:  </a:t>
+            </a:r>
+            <a:r>
+              <a:rPr b="0" lang="en-GB" sz="2000" spc="-1" strike="noStrike">
+                <a:solidFill>
+                  <a:srgbClr val="ce181e"/>
+                </a:solidFill>
+                <a:latin typeface="Roboto"/>
+                <a:ea typeface="Roboto"/>
+              </a:rPr>
+              <a:t>.done(), .result() </a:t>
+            </a:r>
+            <a:r>
+              <a:rPr b="0" lang="en-GB" sz="2000" spc="-1" strike="noStrike">
+                <a:solidFill>
+                  <a:srgbClr val="000000"/>
+                </a:solidFill>
+                <a:latin typeface="Roboto"/>
+                <a:ea typeface="Roboto"/>
+              </a:rPr>
+              <a:t>and </a:t>
+            </a:r>
+            <a:r>
+              <a:rPr b="0" lang="en-GB" sz="2000" spc="-1" strike="noStrike">
+                <a:solidFill>
+                  <a:srgbClr val="ed1c24"/>
+                </a:solidFill>
+                <a:latin typeface="Roboto"/>
+                <a:ea typeface="Roboto"/>
+              </a:rPr>
+              <a:t>.add_done_callback()</a:t>
             </a:r>
             <a:endParaRPr b="0" lang="en-GB" sz="2000" spc="-1" strike="noStrike">
               <a:latin typeface="Arial"/>
@@ -5426,7 +5562,7 @@
                 <a:latin typeface="Roboto"/>
                 <a:ea typeface="Roboto"/>
               </a:rPr>
-              <a:t>One concept used in programming parallel programs is the future concept, where one part of a program promises to deliver a required datum to another part of a program at some future time.</a:t>
+              <a:t>Global Interpreter Lock (GIL)</a:t>
             </a:r>
             <a:endParaRPr b="0" lang="en-GB" sz="2000" spc="-1" strike="noStrike">
               <a:latin typeface="Arial"/>

--- a/Presentation.pptx
+++ b/Presentation.pptx
@@ -12,6 +12,7 @@
     <p:sldId id="259" r:id="rId7"/>
     <p:sldId id="260" r:id="rId8"/>
     <p:sldId id="261" r:id="rId9"/>
+    <p:sldId id="262" r:id="rId10"/>
   </p:sldIdLst>
   <p:sldSz cx="12192000" cy="6858000"/>
   <p:notesSz cx="7559675" cy="10691812"/>
@@ -2715,7 +2716,7 @@
         <p:spPr>
           <a:xfrm>
             <a:off x="10541880" y="106560"/>
-            <a:ext cx="1627560" cy="995760"/>
+            <a:ext cx="1627200" cy="995400"/>
           </a:xfrm>
           <a:custGeom>
             <a:avLst/>
@@ -2777,7 +2778,7 @@
         <p:spPr>
           <a:xfrm>
             <a:off x="-73440" y="0"/>
-            <a:ext cx="4416120" cy="6901200"/>
+            <a:ext cx="4415760" cy="6900840"/>
           </a:xfrm>
           <a:custGeom>
             <a:avLst/>
@@ -2825,7 +2826,7 @@
         <p:spPr>
           <a:xfrm>
             <a:off x="1320840" y="6554160"/>
-            <a:ext cx="10870560" cy="303120"/>
+            <a:ext cx="10870200" cy="302760"/>
           </a:xfrm>
           <a:custGeom>
             <a:avLst/>
@@ -2880,8 +2881,8 @@
         </p:nvSpPr>
         <p:spPr>
           <a:xfrm flipH="1">
-            <a:off x="628920" y="-12600"/>
-            <a:ext cx="690480" cy="997920"/>
+            <a:off x="628200" y="-12600"/>
+            <a:ext cx="690120" cy="997560"/>
           </a:xfrm>
           <a:prstGeom prst="parallelogram">
             <a:avLst>
@@ -2911,7 +2912,7 @@
         <p:spPr>
           <a:xfrm flipH="1">
             <a:off x="1043640" y="106560"/>
-            <a:ext cx="10006920" cy="997920"/>
+            <a:ext cx="10006560" cy="997560"/>
           </a:xfrm>
           <a:prstGeom prst="parallelogram">
             <a:avLst>
@@ -2945,7 +2946,7 @@
         <p:spPr>
           <a:xfrm>
             <a:off x="10995840" y="343080"/>
-            <a:ext cx="1076760" cy="524160"/>
+            <a:ext cx="1076400" cy="523800"/>
           </a:xfrm>
           <a:prstGeom prst="rect">
             <a:avLst/>
@@ -2964,7 +2965,7 @@
         <p:spPr>
           <a:xfrm flipH="1">
             <a:off x="-74160" y="-8280"/>
-            <a:ext cx="1213560" cy="993600"/>
+            <a:ext cx="1213200" cy="993240"/>
           </a:xfrm>
           <a:custGeom>
             <a:avLst/>
@@ -3018,7 +3019,7 @@
         <p:spPr>
           <a:xfrm>
             <a:off x="34920" y="0"/>
-            <a:ext cx="12191400" cy="6857280"/>
+            <a:ext cx="12191040" cy="6856920"/>
           </a:xfrm>
           <a:prstGeom prst="rect">
             <a:avLst/>
@@ -3046,7 +3047,7 @@
         <p:spPr>
           <a:xfrm>
             <a:off x="-65520" y="-35640"/>
-            <a:ext cx="12331080" cy="5218920"/>
+            <a:ext cx="12330720" cy="5218560"/>
           </a:xfrm>
           <a:prstGeom prst="rect">
             <a:avLst/>
@@ -3075,8 +3076,8 @@
         </p:nvSpPr>
         <p:spPr>
           <a:xfrm rot="16200000">
-            <a:off x="7741080" y="697320"/>
-            <a:ext cx="4618080" cy="4352400"/>
+            <a:off x="7741080" y="697680"/>
+            <a:ext cx="4617720" cy="4352040"/>
           </a:xfrm>
           <a:prstGeom prst="rtTriangle">
             <a:avLst/>
@@ -3104,7 +3105,7 @@
         <p:spPr>
           <a:xfrm>
             <a:off x="11311200" y="6074280"/>
-            <a:ext cx="730800" cy="524160"/>
+            <a:ext cx="730440" cy="523800"/>
           </a:xfrm>
           <a:prstGeom prst="rect">
             <a:avLst/>
@@ -3128,7 +3129,7 @@
                 <a:spcPct val="100000"/>
               </a:lnSpc>
             </a:pPr>
-            <a:fld id="{D2AC9B65-A888-44C5-81B2-CE7CA4B24A4F}" type="slidenum">
+            <a:fld id="{7B6BF9F3-BF61-425A-969A-2211FAE18CEF}" type="slidenum">
               <a:rPr b="0" lang="en-GB" sz="1340" spc="-1" strike="noStrike">
                 <a:solidFill>
                   <a:srgbClr val="616161"/>
@@ -3152,8 +3153,8 @@
         </p:nvSpPr>
         <p:spPr>
           <a:xfrm rot="5400000">
-            <a:off x="2015280" y="-2074680"/>
-            <a:ext cx="5170680" cy="9278280"/>
+            <a:off x="2015640" y="-2074680"/>
+            <a:ext cx="5170320" cy="9277920"/>
           </a:xfrm>
           <a:prstGeom prst="rtTriangle">
             <a:avLst/>
@@ -3187,7 +3188,7 @@
         <p:spPr>
           <a:xfrm>
             <a:off x="10079280" y="168480"/>
-            <a:ext cx="1230840" cy="599400"/>
+            <a:ext cx="1230480" cy="599040"/>
           </a:xfrm>
           <a:prstGeom prst="rect">
             <a:avLst/>
@@ -3209,8 +3210,8 @@
         </p:nvSpPr>
         <p:spPr>
           <a:xfrm>
-            <a:off x="1555920" y="-79560"/>
-            <a:ext cx="8958960" cy="1324800"/>
+            <a:off x="609480" y="273600"/>
+            <a:ext cx="10972080" cy="1144440"/>
           </a:xfrm>
           <a:prstGeom prst="rect">
             <a:avLst/>
@@ -3244,7 +3245,7 @@
         <p:spPr>
           <a:xfrm>
             <a:off x="609480" y="1604520"/>
-            <a:ext cx="10972440" cy="3977280"/>
+            <a:ext cx="10972080" cy="3976920"/>
           </a:xfrm>
           <a:prstGeom prst="rect">
             <a:avLst/>
@@ -3267,12 +3268,12 @@
               <a:buChar char=""/>
             </a:pPr>
             <a:r>
-              <a:rPr b="0" lang="en-GB" sz="3200" spc="-1" strike="noStrike">
+              <a:rPr b="0" lang="en-GB" sz="1800" spc="-1" strike="noStrike">
                 <a:latin typeface="Arial"/>
               </a:rPr>
               <a:t>Click to edit the outline text format</a:t>
             </a:r>
-            <a:endParaRPr b="0" lang="en-GB" sz="3200" spc="-1" strike="noStrike">
+            <a:endParaRPr b="0" lang="en-GB" sz="1800" spc="-1" strike="noStrike">
               <a:latin typeface="Arial"/>
             </a:endParaRPr>
           </a:p>
@@ -3289,12 +3290,12 @@
               <a:buChar char=""/>
             </a:pPr>
             <a:r>
-              <a:rPr b="0" lang="en-GB" sz="2800" spc="-1" strike="noStrike">
+              <a:rPr b="0" lang="en-GB" sz="1800" spc="-1" strike="noStrike">
                 <a:latin typeface="Arial"/>
               </a:rPr>
               <a:t>Second Outline Level</a:t>
             </a:r>
-            <a:endParaRPr b="0" lang="en-GB" sz="2800" spc="-1" strike="noStrike">
+            <a:endParaRPr b="0" lang="en-GB" sz="1800" spc="-1" strike="noStrike">
               <a:latin typeface="Arial"/>
             </a:endParaRPr>
           </a:p>
@@ -3311,12 +3312,12 @@
               <a:buChar char=""/>
             </a:pPr>
             <a:r>
-              <a:rPr b="0" lang="en-GB" sz="2400" spc="-1" strike="noStrike">
+              <a:rPr b="0" lang="en-GB" sz="1800" spc="-1" strike="noStrike">
                 <a:latin typeface="Arial"/>
               </a:rPr>
               <a:t>Third Outline Level</a:t>
             </a:r>
-            <a:endParaRPr b="0" lang="en-GB" sz="2400" spc="-1" strike="noStrike">
+            <a:endParaRPr b="0" lang="en-GB" sz="1800" spc="-1" strike="noStrike">
               <a:latin typeface="Arial"/>
             </a:endParaRPr>
           </a:p>
@@ -3333,12 +3334,12 @@
               <a:buChar char=""/>
             </a:pPr>
             <a:r>
-              <a:rPr b="0" lang="en-GB" sz="2000" spc="-1" strike="noStrike">
+              <a:rPr b="0" lang="en-GB" sz="1800" spc="-1" strike="noStrike">
                 <a:latin typeface="Arial"/>
               </a:rPr>
               <a:t>Fourth Outline Level</a:t>
             </a:r>
-            <a:endParaRPr b="0" lang="en-GB" sz="2000" spc="-1" strike="noStrike">
+            <a:endParaRPr b="0" lang="en-GB" sz="1800" spc="-1" strike="noStrike">
               <a:latin typeface="Arial"/>
             </a:endParaRPr>
           </a:p>
@@ -3355,12 +3356,12 @@
               <a:buChar char=""/>
             </a:pPr>
             <a:r>
-              <a:rPr b="0" lang="en-GB" sz="2000" spc="-1" strike="noStrike">
+              <a:rPr b="0" lang="en-GB" sz="1800" spc="-1" strike="noStrike">
                 <a:latin typeface="Arial"/>
               </a:rPr>
               <a:t>Fifth Outline Level</a:t>
             </a:r>
-            <a:endParaRPr b="0" lang="en-GB" sz="2000" spc="-1" strike="noStrike">
+            <a:endParaRPr b="0" lang="en-GB" sz="1800" spc="-1" strike="noStrike">
               <a:latin typeface="Arial"/>
             </a:endParaRPr>
           </a:p>
@@ -3377,12 +3378,12 @@
               <a:buChar char=""/>
             </a:pPr>
             <a:r>
-              <a:rPr b="0" lang="en-GB" sz="2000" spc="-1" strike="noStrike">
+              <a:rPr b="0" lang="en-GB" sz="1800" spc="-1" strike="noStrike">
                 <a:latin typeface="Arial"/>
               </a:rPr>
               <a:t>Sixth Outline Level</a:t>
             </a:r>
-            <a:endParaRPr b="0" lang="en-GB" sz="2000" spc="-1" strike="noStrike">
+            <a:endParaRPr b="0" lang="en-GB" sz="1800" spc="-1" strike="noStrike">
               <a:latin typeface="Arial"/>
             </a:endParaRPr>
           </a:p>
@@ -3399,12 +3400,12 @@
               <a:buChar char=""/>
             </a:pPr>
             <a:r>
-              <a:rPr b="0" lang="en-GB" sz="2000" spc="-1" strike="noStrike">
+              <a:rPr b="0" lang="en-GB" sz="1800" spc="-1" strike="noStrike">
                 <a:latin typeface="Arial"/>
               </a:rPr>
               <a:t>Seventh Outline Level</a:t>
             </a:r>
-            <a:endParaRPr b="0" lang="en-GB" sz="2000" spc="-1" strike="noStrike">
+            <a:endParaRPr b="0" lang="en-GB" sz="1800" spc="-1" strike="noStrike">
               <a:latin typeface="Arial"/>
             </a:endParaRPr>
           </a:p>
@@ -3463,7 +3464,7 @@
         <p:spPr>
           <a:xfrm>
             <a:off x="10541880" y="106560"/>
-            <a:ext cx="1627560" cy="995760"/>
+            <a:ext cx="1627200" cy="995400"/>
           </a:xfrm>
           <a:custGeom>
             <a:avLst/>
@@ -3525,7 +3526,7 @@
         <p:spPr>
           <a:xfrm>
             <a:off x="-73440" y="0"/>
-            <a:ext cx="4416120" cy="6901200"/>
+            <a:ext cx="4415760" cy="6900840"/>
           </a:xfrm>
           <a:custGeom>
             <a:avLst/>
@@ -3573,7 +3574,7 @@
         <p:spPr>
           <a:xfrm>
             <a:off x="1320840" y="6554160"/>
-            <a:ext cx="10870560" cy="303120"/>
+            <a:ext cx="10870200" cy="302760"/>
           </a:xfrm>
           <a:custGeom>
             <a:avLst/>
@@ -3628,8 +3629,8 @@
         </p:nvSpPr>
         <p:spPr>
           <a:xfrm flipH="1">
-            <a:off x="628920" y="-12600"/>
-            <a:ext cx="690480" cy="997920"/>
+            <a:off x="628200" y="-12600"/>
+            <a:ext cx="690120" cy="997560"/>
           </a:xfrm>
           <a:prstGeom prst="parallelogram">
             <a:avLst>
@@ -3659,7 +3660,7 @@
         <p:spPr>
           <a:xfrm flipH="1">
             <a:off x="1043640" y="106560"/>
-            <a:ext cx="10006920" cy="997920"/>
+            <a:ext cx="10006560" cy="997560"/>
           </a:xfrm>
           <a:prstGeom prst="parallelogram">
             <a:avLst>
@@ -3693,7 +3694,7 @@
         <p:spPr>
           <a:xfrm>
             <a:off x="10995840" y="343080"/>
-            <a:ext cx="1076760" cy="524160"/>
+            <a:ext cx="1076400" cy="523800"/>
           </a:xfrm>
           <a:prstGeom prst="rect">
             <a:avLst/>
@@ -3712,7 +3713,7 @@
         <p:spPr>
           <a:xfrm flipH="1">
             <a:off x="-74160" y="-8280"/>
-            <a:ext cx="1213560" cy="993600"/>
+            <a:ext cx="1213200" cy="993240"/>
           </a:xfrm>
           <a:custGeom>
             <a:avLst/>
@@ -4017,7 +4018,7 @@
         <p:spPr>
           <a:xfrm>
             <a:off x="596520" y="1041480"/>
-            <a:ext cx="10746720" cy="2386800"/>
+            <a:ext cx="10746360" cy="2386440"/>
           </a:xfrm>
           <a:prstGeom prst="rect">
             <a:avLst/>
@@ -4066,7 +4067,7 @@
         <p:spPr>
           <a:xfrm>
             <a:off x="596520" y="3081240"/>
-            <a:ext cx="7949520" cy="694800"/>
+            <a:ext cx="7949160" cy="694440"/>
           </a:xfrm>
           <a:prstGeom prst="rect">
             <a:avLst/>
@@ -4085,7 +4086,7 @@
         <p:txBody>
           <a:bodyPr lIns="90000" rIns="90000" tIns="91440" bIns="91440"/>
           <a:p>
-            <a:pPr marL="457200" indent="-405720">
+            <a:pPr marL="457200" indent="-405360">
               <a:lnSpc>
                 <a:spcPct val="90000"/>
               </a:lnSpc>
@@ -4118,7 +4119,7 @@
         <p:spPr>
           <a:xfrm>
             <a:off x="5208120" y="6368040"/>
-            <a:ext cx="2742480" cy="364320"/>
+            <a:ext cx="2742120" cy="363960"/>
           </a:xfrm>
           <a:prstGeom prst="rect">
             <a:avLst/>
@@ -4167,7 +4168,7 @@
         <p:spPr>
           <a:xfrm>
             <a:off x="105840" y="6368040"/>
-            <a:ext cx="4114080" cy="364320"/>
+            <a:ext cx="4113720" cy="363960"/>
           </a:xfrm>
           <a:prstGeom prst="rect">
             <a:avLst/>
@@ -4242,7 +4243,7 @@
         <p:spPr>
           <a:xfrm>
             <a:off x="1555920" y="-79560"/>
-            <a:ext cx="8958960" cy="1324800"/>
+            <a:ext cx="8958600" cy="1324440"/>
           </a:xfrm>
           <a:prstGeom prst="rect">
             <a:avLst/>
@@ -4291,7 +4292,7 @@
         <p:spPr>
           <a:xfrm>
             <a:off x="1587960" y="1530000"/>
-            <a:ext cx="9594360" cy="4344120"/>
+            <a:ext cx="9594000" cy="4343760"/>
           </a:xfrm>
           <a:prstGeom prst="rect">
             <a:avLst/>
@@ -4310,7 +4311,7 @@
         <p:txBody>
           <a:bodyPr lIns="90000" rIns="90000" tIns="91440" bIns="91440"/>
           <a:p>
-            <a:pPr marL="457200" indent="-405720">
+            <a:pPr marL="457200" indent="-405360">
               <a:lnSpc>
                 <a:spcPct val="150000"/>
               </a:lnSpc>
@@ -4331,24 +4332,14 @@
                 <a:latin typeface="Roboto"/>
                 <a:ea typeface="Roboto"/>
               </a:rPr>
-              <a:t>The division of large problems into sub problems are a norms in the field </a:t>
-            </a:r>
-            <a:r>
-              <a:rPr b="0" lang="en-GB" sz="2400" spc="-1" strike="noStrike">
-                <a:solidFill>
-                  <a:srgbClr val="000000"/>
-                </a:solidFill>
-                <a:latin typeface="Roboto"/>
-                <a:ea typeface="Roboto"/>
-              </a:rPr>
-              <a:t>of computing</a:t>
+              <a:t>The division of large problems into sub problems are a norms in the field of computing</a:t>
             </a:r>
             <a:endParaRPr b="0" lang="en-GB" sz="2400" spc="-1" strike="noStrike">
               <a:latin typeface="Arial"/>
             </a:endParaRPr>
           </a:p>
           <a:p>
-            <a:pPr marL="457200" indent="-405720">
+            <a:pPr marL="457200" indent="-405360">
               <a:lnSpc>
                 <a:spcPct val="150000"/>
               </a:lnSpc>
@@ -4369,24 +4360,14 @@
                 <a:latin typeface="Roboto"/>
                 <a:ea typeface="Roboto"/>
               </a:rPr>
-              <a:t>Parallellism is a type of computation in which many calculations or the </a:t>
-            </a:r>
-            <a:r>
-              <a:rPr b="0" lang="en-GB" sz="2400" spc="-1" strike="noStrike">
-                <a:solidFill>
-                  <a:srgbClr val="000000"/>
-                </a:solidFill>
-                <a:latin typeface="Roboto"/>
-                <a:ea typeface="Roboto"/>
-              </a:rPr>
-              <a:t>execution of processes are carried out simultaneously.</a:t>
+              <a:t>Parallellism is a type of computation in which many calculations or the execution of processes are carried out simultaneously.</a:t>
             </a:r>
             <a:endParaRPr b="0" lang="en-GB" sz="2400" spc="-1" strike="noStrike">
               <a:latin typeface="Arial"/>
             </a:endParaRPr>
           </a:p>
           <a:p>
-            <a:pPr marL="457200" indent="-405720">
+            <a:pPr marL="457200" indent="-405360">
               <a:lnSpc>
                 <a:spcPct val="150000"/>
               </a:lnSpc>
@@ -4407,27 +4388,7 @@
                 <a:latin typeface="Roboto"/>
                 <a:ea typeface="Roboto"/>
               </a:rPr>
-              <a:t>concurrency refers to the ability of different parts or units of a program, </a:t>
-            </a:r>
-            <a:r>
-              <a:rPr b="0" lang="en-GB" sz="2400" spc="-1" strike="noStrike">
-                <a:solidFill>
-                  <a:srgbClr val="000000"/>
-                </a:solidFill>
-                <a:latin typeface="Roboto"/>
-                <a:ea typeface="Roboto"/>
-              </a:rPr>
-              <a:t>algorithm, or problem to be executed out-of-order or in partial order, </a:t>
-            </a:r>
-            <a:r>
-              <a:rPr b="0" lang="en-GB" sz="2400" spc="-1" strike="noStrike">
-                <a:solidFill>
-                  <a:srgbClr val="000000"/>
-                </a:solidFill>
-                <a:latin typeface="Roboto"/>
-                <a:ea typeface="Roboto"/>
-              </a:rPr>
-              <a:t>without affecting the final outcome </a:t>
+              <a:t>concurrency refers to the ability of different parts or units of a program, algorithm, or problem to be executed out-of-order or in partial order, without affecting the final outcome </a:t>
             </a:r>
             <a:endParaRPr b="0" lang="en-GB" sz="2400" spc="-1" strike="noStrike">
               <a:latin typeface="Arial"/>
@@ -4493,7 +4454,7 @@
         <p:spPr>
           <a:xfrm>
             <a:off x="1555920" y="-79560"/>
-            <a:ext cx="8958960" cy="1324800"/>
+            <a:ext cx="8958600" cy="1324440"/>
           </a:xfrm>
           <a:prstGeom prst="rect">
             <a:avLst/>
@@ -4542,7 +4503,7 @@
         <p:spPr>
           <a:xfrm>
             <a:off x="1587960" y="1530000"/>
-            <a:ext cx="9594360" cy="4344120"/>
+            <a:ext cx="9594000" cy="4343760"/>
           </a:xfrm>
           <a:prstGeom prst="rect">
             <a:avLst/>
@@ -4561,7 +4522,7 @@
         <p:txBody>
           <a:bodyPr lIns="90000" rIns="90000" tIns="91440" bIns="91440"/>
           <a:p>
-            <a:pPr marL="457200" indent="-405720">
+            <a:pPr marL="457200" indent="-405360">
               <a:lnSpc>
                 <a:spcPct val="150000"/>
               </a:lnSpc>
@@ -4589,7 +4550,7 @@
             </a:endParaRPr>
           </a:p>
           <a:p>
-            <a:pPr marL="457200" indent="-405720">
+            <a:pPr marL="457200" indent="-405360">
               <a:lnSpc>
                 <a:spcPct val="150000"/>
               </a:lnSpc>
@@ -4613,10 +4574,11 @@
               <a:t>Rob Pike’s talk at Heroku's Waza: Concurrency is about structure while parallelism is about execution. </a:t>
             </a:r>
             <a:r>
-              <a:rPr b="0" lang="en-GB" sz="2000" spc="-1" strike="noStrike">
+              <a:rPr b="0" lang="en-GB" sz="2000" spc="-1" strike="noStrike" u="sng">
                 <a:solidFill>
-                  <a:srgbClr val="000000"/>
+                  <a:srgbClr val="0000ff"/>
                 </a:solidFill>
+                <a:uFillTx/>
                 <a:latin typeface="Roboto"/>
                 <a:ea typeface="Roboto"/>
                 <a:hlinkClick r:id="rId1"/>
@@ -4628,7 +4590,7 @@
             </a:endParaRPr>
           </a:p>
           <a:p>
-            <a:pPr marL="457200" indent="-405720">
+            <a:pPr marL="457200" indent="-405360">
               <a:lnSpc>
                 <a:spcPct val="150000"/>
               </a:lnSpc>
@@ -4656,7 +4618,7 @@
             </a:endParaRPr>
           </a:p>
           <a:p>
-            <a:pPr marL="457200" indent="-405720">
+            <a:pPr marL="457200" indent="-405360">
               <a:lnSpc>
                 <a:spcPct val="150000"/>
               </a:lnSpc>
@@ -4694,7 +4656,7 @@
             </a:endParaRPr>
           </a:p>
           <a:p>
-            <a:pPr marL="457200" indent="-405720">
+            <a:pPr marL="457200" indent="-405360">
               <a:lnSpc>
                 <a:spcPct val="150000"/>
               </a:lnSpc>
@@ -4781,7 +4743,7 @@
         <p:spPr>
           <a:xfrm>
             <a:off x="1555920" y="-79560"/>
-            <a:ext cx="8958960" cy="1324800"/>
+            <a:ext cx="8958600" cy="1324440"/>
           </a:xfrm>
           <a:prstGeom prst="rect">
             <a:avLst/>
@@ -4830,7 +4792,7 @@
         <p:spPr>
           <a:xfrm>
             <a:off x="1565640" y="1199880"/>
-            <a:ext cx="9594360" cy="4344120"/>
+            <a:ext cx="9594000" cy="4343760"/>
           </a:xfrm>
           <a:prstGeom prst="rect">
             <a:avLst/>
@@ -4849,7 +4811,7 @@
         <p:txBody>
           <a:bodyPr lIns="90000" rIns="90000" tIns="91440" bIns="91440"/>
           <a:p>
-            <a:pPr marL="457200" indent="-405720">
+            <a:pPr marL="457200" indent="-405360">
               <a:lnSpc>
                 <a:spcPct val="150000"/>
               </a:lnSpc>
@@ -4907,7 +4869,7 @@
             </a:endParaRPr>
           </a:p>
           <a:p>
-            <a:pPr marL="457200" indent="-405720">
+            <a:pPr marL="457200" indent="-405360">
               <a:lnSpc>
                 <a:spcPct val="150000"/>
               </a:lnSpc>
@@ -4965,7 +4927,7 @@
             </a:endParaRPr>
           </a:p>
           <a:p>
-            <a:pPr marL="457200" indent="-405720">
+            <a:pPr marL="457200" indent="-405360">
               <a:lnSpc>
                 <a:spcPct val="150000"/>
               </a:lnSpc>
@@ -4993,7 +4955,7 @@
             </a:endParaRPr>
           </a:p>
           <a:p>
-            <a:pPr marL="457200" indent="-405720">
+            <a:pPr marL="457200" indent="-405360">
               <a:lnSpc>
                 <a:spcPct val="150000"/>
               </a:lnSpc>
@@ -5021,7 +4983,7 @@
             </a:endParaRPr>
           </a:p>
           <a:p>
-            <a:pPr marL="457200" indent="-405720">
+            <a:pPr marL="457200" indent="-405360">
               <a:lnSpc>
                 <a:spcPct val="150000"/>
               </a:lnSpc>
@@ -5049,18 +5011,13 @@
             </a:endParaRPr>
           </a:p>
           <a:p>
-            <a:pPr marL="457200" indent="-405720">
+            <a:pPr>
               <a:lnSpc>
                 <a:spcPct val="150000"/>
               </a:lnSpc>
               <a:spcBef>
                 <a:spcPts val="1001"/>
               </a:spcBef>
-              <a:buClr>
-                <a:srgbClr val="000000"/>
-              </a:buClr>
-              <a:buFont typeface="Arial"/>
-              <a:buChar char="•"/>
             </a:pPr>
             <a:endParaRPr b="0" lang="en-GB" sz="2000" spc="-1" strike="noStrike">
               <a:latin typeface="Arial"/>
@@ -5126,7 +5083,7 @@
         <p:spPr>
           <a:xfrm>
             <a:off x="1555920" y="-79560"/>
-            <a:ext cx="8958960" cy="1324800"/>
+            <a:ext cx="8958600" cy="1324440"/>
           </a:xfrm>
           <a:prstGeom prst="rect">
             <a:avLst/>
@@ -5175,7 +5132,7 @@
         <p:spPr>
           <a:xfrm>
             <a:off x="1637640" y="983880"/>
-            <a:ext cx="9594360" cy="4344120"/>
+            <a:ext cx="9594000" cy="4343760"/>
           </a:xfrm>
           <a:prstGeom prst="rect">
             <a:avLst/>
@@ -5194,7 +5151,7 @@
         <p:txBody>
           <a:bodyPr lIns="90000" rIns="90000" tIns="91440" bIns="91440"/>
           <a:p>
-            <a:pPr marL="457200" indent="-405720">
+            <a:pPr marL="457200" indent="-405360">
               <a:lnSpc>
                 <a:spcPct val="150000"/>
               </a:lnSpc>
@@ -5222,7 +5179,7 @@
             </a:endParaRPr>
           </a:p>
           <a:p>
-            <a:pPr marL="457200" indent="-405720">
+            <a:pPr marL="457200" indent="-405360">
               <a:lnSpc>
                 <a:spcPct val="150000"/>
               </a:lnSpc>
@@ -5250,7 +5207,7 @@
             </a:endParaRPr>
           </a:p>
           <a:p>
-            <a:pPr marL="457200" indent="-405720">
+            <a:pPr marL="457200" indent="-405360">
               <a:lnSpc>
                 <a:spcPct val="150000"/>
               </a:lnSpc>
@@ -5298,7 +5255,7 @@
             </a:endParaRPr>
           </a:p>
           <a:p>
-            <a:pPr marL="457200" indent="-405720">
+            <a:pPr marL="457200" indent="-405360">
               <a:lnSpc>
                 <a:spcPct val="150000"/>
               </a:lnSpc>
@@ -5415,7 +5372,7 @@
         <p:spPr>
           <a:xfrm>
             <a:off x="1555920" y="-79560"/>
-            <a:ext cx="8958960" cy="1324800"/>
+            <a:ext cx="8958600" cy="1324440"/>
           </a:xfrm>
           <a:prstGeom prst="rect">
             <a:avLst/>
@@ -5431,29 +5388,6 @@
           <a:effectRef idx="0"/>
           <a:fontRef idx="minor"/>
         </p:style>
-        <p:txBody>
-          <a:bodyPr lIns="90000" rIns="90000" tIns="91440" bIns="91440" anchor="ctr"/>
-          <a:p>
-            <a:pPr algn="ctr">
-              <a:lnSpc>
-                <a:spcPct val="90000"/>
-              </a:lnSpc>
-            </a:pPr>
-            <a:r>
-              <a:rPr b="1" lang="en-GB" sz="3600" spc="-1" strike="noStrike">
-                <a:solidFill>
-                  <a:srgbClr val="ffffff"/>
-                </a:solidFill>
-                <a:latin typeface="Roboto Bk"/>
-                <a:ea typeface="Arial"/>
-              </a:rPr>
-              <a:t>Where does Python stand in this?</a:t>
-            </a:r>
-            <a:endParaRPr b="0" lang="en-GB" sz="3600" spc="-1" strike="noStrike">
-              <a:latin typeface="Arial"/>
-            </a:endParaRPr>
-          </a:p>
-        </p:txBody>
       </p:sp>
       <p:sp>
         <p:nvSpPr>
@@ -5464,7 +5398,7 @@
         <p:spPr>
           <a:xfrm>
             <a:off x="1565640" y="1199880"/>
-            <a:ext cx="9594360" cy="4344120"/>
+            <a:ext cx="9594000" cy="4343760"/>
           </a:xfrm>
           <a:prstGeom prst="rect">
             <a:avLst/>
@@ -5483,7 +5417,7 @@
         <p:txBody>
           <a:bodyPr lIns="90000" rIns="90000" tIns="91440" bIns="91440"/>
           <a:p>
-            <a:pPr marL="457200" indent="-405720">
+            <a:pPr marL="457200" indent="-405360">
               <a:lnSpc>
                 <a:spcPct val="150000"/>
               </a:lnSpc>
@@ -5541,7 +5475,7 @@
             </a:endParaRPr>
           </a:p>
           <a:p>
-            <a:pPr marL="457200" indent="-405720">
+            <a:pPr marL="457200" indent="-405360">
               <a:lnSpc>
                 <a:spcPct val="150000"/>
               </a:lnSpc>
@@ -5568,6 +5502,186 @@
               <a:latin typeface="Arial"/>
             </a:endParaRPr>
           </a:p>
+          <a:p>
+            <a:pPr marL="457200" indent="-405360">
+              <a:lnSpc>
+                <a:spcPct val="150000"/>
+              </a:lnSpc>
+              <a:spcBef>
+                <a:spcPts val="1001"/>
+              </a:spcBef>
+              <a:buClr>
+                <a:srgbClr val="000000"/>
+              </a:buClr>
+              <a:buFont typeface="Arial"/>
+              <a:buChar char="•"/>
+            </a:pPr>
+            <a:r>
+              <a:rPr b="0" lang="en-GB" sz="2000" spc="-1" strike="noStrike">
+                <a:solidFill>
+                  <a:srgbClr val="000000"/>
+                </a:solidFill>
+                <a:latin typeface="Roboto"/>
+                <a:ea typeface="Roboto"/>
+              </a:rPr>
+              <a:t>Concurrent.futures</a:t>
+            </a:r>
+            <a:endParaRPr b="0" lang="en-GB" sz="2000" spc="-1" strike="noStrike">
+              <a:latin typeface="Arial"/>
+            </a:endParaRPr>
+          </a:p>
+          <a:p>
+            <a:pPr marL="457200" indent="-405360">
+              <a:lnSpc>
+                <a:spcPct val="150000"/>
+              </a:lnSpc>
+              <a:spcBef>
+                <a:spcPts val="1001"/>
+              </a:spcBef>
+              <a:buClr>
+                <a:srgbClr val="000000"/>
+              </a:buClr>
+              <a:buFont typeface="Arial"/>
+              <a:buChar char="•"/>
+            </a:pPr>
+            <a:r>
+              <a:rPr b="0" lang="en-GB" sz="2000" spc="-1" strike="noStrike">
+                <a:solidFill>
+                  <a:srgbClr val="000000"/>
+                </a:solidFill>
+                <a:latin typeface="Roboto"/>
+                <a:ea typeface="Roboto"/>
+              </a:rPr>
+              <a:t>Multiprocessing</a:t>
+            </a:r>
+            <a:endParaRPr b="0" lang="en-GB" sz="2000" spc="-1" strike="noStrike">
+              <a:latin typeface="Arial"/>
+            </a:endParaRPr>
+          </a:p>
+          <a:p>
+            <a:pPr marL="457200" indent="-405360">
+              <a:lnSpc>
+                <a:spcPct val="150000"/>
+              </a:lnSpc>
+              <a:spcBef>
+                <a:spcPts val="1001"/>
+              </a:spcBef>
+              <a:buClr>
+                <a:srgbClr val="000000"/>
+              </a:buClr>
+              <a:buFont typeface="Arial"/>
+              <a:buChar char="•"/>
+            </a:pPr>
+            <a:r>
+              <a:rPr b="0" lang="en-GB" sz="2000" spc="-1" strike="noStrike">
+                <a:solidFill>
+                  <a:srgbClr val="000000"/>
+                </a:solidFill>
+                <a:latin typeface="Roboto"/>
+                <a:ea typeface="Roboto"/>
+              </a:rPr>
+              <a:t>Threading</a:t>
+            </a:r>
+            <a:endParaRPr b="0" lang="en-GB" sz="2000" spc="-1" strike="noStrike">
+              <a:latin typeface="Arial"/>
+            </a:endParaRPr>
+          </a:p>
+          <a:p>
+            <a:pPr marL="457200" indent="-405360">
+              <a:lnSpc>
+                <a:spcPct val="150000"/>
+              </a:lnSpc>
+              <a:spcBef>
+                <a:spcPts val="1001"/>
+              </a:spcBef>
+              <a:buClr>
+                <a:srgbClr val="000000"/>
+              </a:buClr>
+              <a:buFont typeface="Arial"/>
+              <a:buChar char="•"/>
+            </a:pPr>
+            <a:r>
+              <a:rPr b="0" lang="en-GB" sz="2000" spc="-1" strike="noStrike">
+                <a:solidFill>
+                  <a:srgbClr val="000000"/>
+                </a:solidFill>
+                <a:latin typeface="Roboto"/>
+                <a:ea typeface="Roboto"/>
+              </a:rPr>
+              <a:t>Asyncio</a:t>
+            </a:r>
+            <a:endParaRPr b="0" lang="en-GB" sz="2000" spc="-1" strike="noStrike">
+              <a:latin typeface="Arial"/>
+            </a:endParaRPr>
+          </a:p>
+          <a:p>
+            <a:pPr marL="457200" indent="-405360" algn="ctr">
+              <a:lnSpc>
+                <a:spcPct val="150000"/>
+              </a:lnSpc>
+              <a:spcBef>
+                <a:spcPts val="1001"/>
+              </a:spcBef>
+              <a:buClr>
+                <a:srgbClr val="000000"/>
+              </a:buClr>
+              <a:buFont typeface="Arial"/>
+              <a:buChar char="•"/>
+            </a:pPr>
+            <a:r>
+              <a:rPr b="0" lang="en-GB" sz="2600" spc="-1" strike="noStrike">
+                <a:solidFill>
+                  <a:srgbClr val="000000"/>
+                </a:solidFill>
+                <a:latin typeface="Noto Sans CJK JP Bold"/>
+                <a:ea typeface="Roboto"/>
+              </a:rPr>
+              <a:t>Lets Code</a:t>
+            </a:r>
+            <a:endParaRPr b="0" lang="en-GB" sz="2600" spc="-1" strike="noStrike">
+              <a:latin typeface="Arial"/>
+            </a:endParaRPr>
+          </a:p>
+        </p:txBody>
+      </p:sp>
+      <p:sp>
+        <p:nvSpPr>
+          <p:cNvPr id="110" name="TextShape 3"/>
+          <p:cNvSpPr txBox="1"/>
+          <p:nvPr/>
+        </p:nvSpPr>
+        <p:spPr>
+          <a:xfrm>
+            <a:off x="1656000" y="216000"/>
+            <a:ext cx="8784000" cy="681840"/>
+          </a:xfrm>
+          <a:prstGeom prst="rect">
+            <a:avLst/>
+          </a:prstGeom>
+          <a:noFill/>
+          <a:ln>
+            <a:noFill/>
+          </a:ln>
+        </p:spPr>
+        <p:txBody>
+          <a:bodyPr lIns="90000" rIns="90000" tIns="45000" bIns="45000"/>
+          <a:p>
+            <a:r>
+              <a:rPr b="1" lang="en-GB" sz="4000" spc="-1" strike="noStrike">
+                <a:solidFill>
+                  <a:srgbClr val="ffffff"/>
+                </a:solidFill>
+                <a:latin typeface="Roboto bk"/>
+              </a:rPr>
+              <a:t>Where Does Python Stand​?</a:t>
+            </a:r>
+            <a:endParaRPr b="1" lang="en-GB" sz="4000" spc="-1" strike="noStrike">
+              <a:solidFill>
+                <a:srgbClr val="ffffff"/>
+              </a:solidFill>
+              <a:latin typeface="Roboto bk"/>
+            </a:endParaRPr>
+          </a:p>
         </p:txBody>
       </p:sp>
     </p:spTree>
@@ -5579,6 +5693,301 @@
           <p:childTnLst>
             <p:seq>
               <p:cTn id="12" dur="indefinite" nodeType="mainSeq"/>
+              <p:prevCondLst>
+                <p:cond delay="0" evt="onPrev">
+                  <p:tgtEl>
+                    <p:sldTgt/>
+                  </p:tgtEl>
+                </p:cond>
+              </p:prevCondLst>
+              <p:nextCondLst>
+                <p:cond delay="0" evt="onNext">
+                  <p:tgtEl>
+                    <p:sldTgt/>
+                  </p:tgtEl>
+                </p:cond>
+              </p:nextCondLst>
+            </p:seq>
+          </p:childTnLst>
+        </p:cTn>
+      </p:par>
+    </p:tnLst>
+  </p:timing>
+</p:sld>
+</file>
+
+<file path=ppt/slides/slide7.xml><?xml version="1.0" encoding="utf-8"?>
+<p:sld xmlns:a="http://schemas.openxmlformats.org/drawingml/2006/main" xmlns:p="http://schemas.openxmlformats.org/presentationml/2006/main" xmlns:r="http://schemas.openxmlformats.org/officeDocument/2006/relationships" xmlns:p14="http://schemas.microsoft.com/office/powerpoint/2010/main" xmlns:p15="http://schemas.microsoft.com/office/powerpoint/2012/main" xmlns:mc="http://schemas.openxmlformats.org/markup-compatibility/2006">
+  <p:cSld>
+    <p:spTree>
+      <p:nvGrpSpPr>
+        <p:cNvPr id="1" name=""/>
+        <p:cNvGrpSpPr/>
+        <p:nvPr/>
+      </p:nvGrpSpPr>
+      <p:grpSpPr>
+        <a:xfrm>
+          <a:off x="0" y="0"/>
+          <a:ext cx="0" cy="0"/>
+          <a:chOff x="0" y="0"/>
+          <a:chExt cx="0" cy="0"/>
+        </a:xfrm>
+      </p:grpSpPr>
+      <p:sp>
+        <p:nvSpPr>
+          <p:cNvPr id="111" name="CustomShape 1"/>
+          <p:cNvSpPr/>
+          <p:nvPr/>
+        </p:nvSpPr>
+        <p:spPr>
+          <a:xfrm>
+            <a:off x="1555920" y="-79560"/>
+            <a:ext cx="8958600" cy="1324440"/>
+          </a:xfrm>
+          <a:prstGeom prst="rect">
+            <a:avLst/>
+          </a:prstGeom>
+          <a:noFill/>
+          <a:ln>
+            <a:noFill/>
+          </a:ln>
+        </p:spPr>
+        <p:style>
+          <a:lnRef idx="0"/>
+          <a:fillRef idx="0"/>
+          <a:effectRef idx="0"/>
+          <a:fontRef idx="minor"/>
+        </p:style>
+      </p:sp>
+      <p:sp>
+        <p:nvSpPr>
+          <p:cNvPr id="112" name="CustomShape 2"/>
+          <p:cNvSpPr/>
+          <p:nvPr/>
+        </p:nvSpPr>
+        <p:spPr>
+          <a:xfrm>
+            <a:off x="1565640" y="1199880"/>
+            <a:ext cx="9594000" cy="4343760"/>
+          </a:xfrm>
+          <a:prstGeom prst="rect">
+            <a:avLst/>
+          </a:prstGeom>
+          <a:noFill/>
+          <a:ln>
+            <a:noFill/>
+          </a:ln>
+        </p:spPr>
+        <p:style>
+          <a:lnRef idx="0"/>
+          <a:fillRef idx="0"/>
+          <a:effectRef idx="0"/>
+          <a:fontRef idx="minor"/>
+        </p:style>
+        <p:txBody>
+          <a:bodyPr lIns="90000" rIns="90000" tIns="91440" bIns="91440"/>
+          <a:p>
+            <a:pPr marL="457200" indent="-405360">
+              <a:lnSpc>
+                <a:spcPct val="150000"/>
+              </a:lnSpc>
+              <a:spcBef>
+                <a:spcPts val="1001"/>
+              </a:spcBef>
+              <a:buClr>
+                <a:srgbClr val="000000"/>
+              </a:buClr>
+              <a:buFont typeface="Arial"/>
+              <a:buChar char="•"/>
+            </a:pPr>
+            <a:r>
+              <a:rPr b="0" lang="en-GB" sz="2000" spc="-1" strike="noStrike">
+                <a:solidFill>
+                  <a:srgbClr val="000000"/>
+                </a:solidFill>
+                <a:latin typeface="Roboto"/>
+                <a:ea typeface="Roboto"/>
+              </a:rPr>
+              <a:t>Concurrency is not parallelism, Its better</a:t>
+            </a:r>
+            <a:endParaRPr b="0" lang="en-GB" sz="2000" spc="-1" strike="noStrike">
+              <a:latin typeface="Arial"/>
+            </a:endParaRPr>
+          </a:p>
+          <a:p>
+            <a:pPr marL="457200" indent="-405360">
+              <a:lnSpc>
+                <a:spcPct val="150000"/>
+              </a:lnSpc>
+              <a:spcBef>
+                <a:spcPts val="1001"/>
+              </a:spcBef>
+              <a:buClr>
+                <a:srgbClr val="000000"/>
+              </a:buClr>
+              <a:buFont typeface="Arial"/>
+              <a:buChar char="•"/>
+            </a:pPr>
+            <a:r>
+              <a:rPr b="0" lang="en-GB" sz="2000" spc="-1" strike="noStrike">
+                <a:solidFill>
+                  <a:srgbClr val="000000"/>
+                </a:solidFill>
+                <a:latin typeface="Roboto"/>
+                <a:ea typeface="Roboto"/>
+              </a:rPr>
+              <a:t>When its possible make your code concurrent</a:t>
+            </a:r>
+            <a:endParaRPr b="0" lang="en-GB" sz="2000" spc="-1" strike="noStrike">
+              <a:latin typeface="Arial"/>
+            </a:endParaRPr>
+          </a:p>
+          <a:p>
+            <a:pPr marL="457200" indent="-405360">
+              <a:lnSpc>
+                <a:spcPct val="150000"/>
+              </a:lnSpc>
+              <a:spcBef>
+                <a:spcPts val="1001"/>
+              </a:spcBef>
+              <a:buClr>
+                <a:srgbClr val="000000"/>
+              </a:buClr>
+              <a:buFont typeface="Arial"/>
+              <a:buChar char="•"/>
+            </a:pPr>
+            <a:r>
+              <a:rPr b="0" lang="en-GB" sz="2000" spc="-1" strike="noStrike">
+                <a:solidFill>
+                  <a:srgbClr val="000000"/>
+                </a:solidFill>
+                <a:latin typeface="Roboto"/>
+                <a:ea typeface="Roboto"/>
+              </a:rPr>
+              <a:t>For heavy computations you can use parallelism</a:t>
+            </a:r>
+            <a:endParaRPr b="0" lang="en-GB" sz="2000" spc="-1" strike="noStrike">
+              <a:latin typeface="Arial"/>
+            </a:endParaRPr>
+          </a:p>
+          <a:p>
+            <a:pPr marL="457200" indent="-405360">
+              <a:lnSpc>
+                <a:spcPct val="150000"/>
+              </a:lnSpc>
+              <a:spcBef>
+                <a:spcPts val="1001"/>
+              </a:spcBef>
+              <a:buClr>
+                <a:srgbClr val="000000"/>
+              </a:buClr>
+              <a:buFont typeface="Arial"/>
+              <a:buChar char="•"/>
+            </a:pPr>
+            <a:r>
+              <a:rPr b="0" lang="en-GB" sz="2000" spc="-1" strike="noStrike">
+                <a:solidFill>
+                  <a:srgbClr val="000000"/>
+                </a:solidFill>
+                <a:latin typeface="Roboto"/>
+                <a:ea typeface="Roboto"/>
+              </a:rPr>
+              <a:t>But you can use both, feel free to explore</a:t>
+            </a:r>
+            <a:endParaRPr b="0" lang="en-GB" sz="2000" spc="-1" strike="noStrike">
+              <a:latin typeface="Arial"/>
+            </a:endParaRPr>
+          </a:p>
+          <a:p>
+            <a:pPr marL="457200" indent="-405360" algn="ctr">
+              <a:lnSpc>
+                <a:spcPct val="150000"/>
+              </a:lnSpc>
+              <a:spcBef>
+                <a:spcPts val="1001"/>
+              </a:spcBef>
+              <a:buClr>
+                <a:srgbClr val="000000"/>
+              </a:buClr>
+              <a:buFont typeface="Arial"/>
+              <a:buChar char="•"/>
+            </a:pPr>
+            <a:r>
+              <a:rPr b="0" lang="en-GB" sz="2600" spc="-1" strike="noStrike" u="sng">
+                <a:solidFill>
+                  <a:srgbClr val="000000"/>
+                </a:solidFill>
+                <a:uFillTx/>
+                <a:latin typeface="Noto Sans CJK JP Bold"/>
+                <a:ea typeface="Roboto"/>
+              </a:rPr>
+              <a:t>Next Talk:</a:t>
+            </a:r>
+            <a:r>
+              <a:rPr b="0" lang="en-GB" sz="2600" spc="-1" strike="noStrike">
+                <a:solidFill>
+                  <a:srgbClr val="000000"/>
+                </a:solidFill>
+                <a:latin typeface="Noto Sans CJK JP Bold"/>
+                <a:ea typeface="Roboto"/>
+              </a:rPr>
+              <a:t> Control Flow with Task Queues </a:t>
+            </a:r>
+            <a:endParaRPr b="0" lang="en-GB" sz="2600" spc="-1" strike="noStrike">
+              <a:latin typeface="Arial"/>
+            </a:endParaRPr>
+          </a:p>
+        </p:txBody>
+      </p:sp>
+      <p:sp>
+        <p:nvSpPr>
+          <p:cNvPr id="113" name="TextShape 3"/>
+          <p:cNvSpPr txBox="1"/>
+          <p:nvPr/>
+        </p:nvSpPr>
+        <p:spPr>
+          <a:xfrm>
+            <a:off x="1440000" y="216000"/>
+            <a:ext cx="8928000" cy="564480"/>
+          </a:xfrm>
+          <a:prstGeom prst="rect">
+            <a:avLst/>
+          </a:prstGeom>
+          <a:noFill/>
+          <a:ln>
+            <a:noFill/>
+          </a:ln>
+        </p:spPr>
+        <p:txBody>
+          <a:bodyPr lIns="90000" rIns="90000" tIns="45000" bIns="45000"/>
+          <a:p>
+            <a:r>
+              <a:rPr b="1" lang="en-GB" sz="3200" spc="-1" strike="noStrike">
+                <a:solidFill>
+                  <a:srgbClr val="ffffff"/>
+                </a:solidFill>
+                <a:latin typeface="Roboto bk"/>
+              </a:rPr>
+              <a:t>Conclusion</a:t>
+            </a:r>
+            <a:endParaRPr b="1" lang="en-GB" sz="3200" spc="-1" strike="noStrike">
+              <a:solidFill>
+                <a:srgbClr val="ffffff"/>
+              </a:solidFill>
+              <a:latin typeface="Roboto bk"/>
+            </a:endParaRPr>
+          </a:p>
+        </p:txBody>
+      </p:sp>
+    </p:spTree>
+  </p:cSld>
+  <p:timing>
+    <p:tnLst>
+      <p:par>
+        <p:cTn id="13" dur="indefinite" restart="never" nodeType="tmRoot">
+          <p:childTnLst>
+            <p:seq>
+              <p:cTn id="14" dur="indefinite" nodeType="mainSeq"/>
               <p:prevCondLst>
                 <p:cond delay="0" evt="onPrev">
                   <p:tgtEl>

--- a/Presentation.pptx
+++ b/Presentation.pptx
@@ -3129,7 +3129,7 @@
                 <a:spcPct val="100000"/>
               </a:lnSpc>
             </a:pPr>
-            <a:fld id="{7B6BF9F3-BF61-425A-969A-2211FAE18CEF}" type="slidenum">
+            <a:fld id="{0BC94A1E-7A3F-4ECD-A70E-81A6379C1B02}" type="slidenum">
               <a:rPr b="0" lang="en-GB" sz="1340" spc="-1" strike="noStrike">
                 <a:solidFill>
                   <a:srgbClr val="616161"/>
@@ -4310,6 +4310,29 @@
         </p:style>
         <p:txBody>
           <a:bodyPr lIns="90000" rIns="90000" tIns="91440" bIns="91440"/>
+          <a:p>
+            <a:pPr>
+              <a:lnSpc>
+                <a:spcPct val="150000"/>
+              </a:lnSpc>
+              <a:spcBef>
+                <a:spcPts val="1001"/>
+              </a:spcBef>
+            </a:pPr>
+            <a:r>
+              <a:rPr b="1" lang="en-GB" sz="2400" spc="-1" strike="noStrike">
+                <a:solidFill>
+                  <a:srgbClr val="000000"/>
+                </a:solidFill>
+                <a:latin typeface="Roboto"/>
+                <a:ea typeface="Roboto"/>
+              </a:rPr>
+              <a:t>https://github.com/MeNsaaH/python-parallelism-concurrency-talk</a:t>
+            </a:r>
+            <a:endParaRPr b="0" lang="en-GB" sz="2400" spc="-1" strike="noStrike">
+              <a:latin typeface="Arial"/>
+            </a:endParaRPr>
+          </a:p>
           <a:p>
             <a:pPr marL="457200" indent="-405360">
               <a:lnSpc>

--- a/Presentation.pptx
+++ b/Presentation.pptx
@@ -3129,7 +3129,7 @@
                 <a:spcPct val="100000"/>
               </a:lnSpc>
             </a:pPr>
-            <a:fld id="{0BC94A1E-7A3F-4ECD-A70E-81A6379C1B02}" type="slidenum">
+            <a:fld id="{D2125283-7478-492A-A285-580BC22E373B}" type="slidenum">
               <a:rPr b="0" lang="en-GB" sz="1340" spc="-1" strike="noStrike">
                 <a:solidFill>
                   <a:srgbClr val="616161"/>
@@ -4320,10 +4320,11 @@
               </a:spcBef>
             </a:pPr>
             <a:r>
-              <a:rPr b="1" lang="en-GB" sz="2400" spc="-1" strike="noStrike">
+              <a:rPr b="1" lang="en-GB" sz="2400" spc="-1" strike="noStrike" u="sng">
                 <a:solidFill>
-                  <a:srgbClr val="000000"/>
+                  <a:srgbClr val="ed1c24"/>
                 </a:solidFill>
+                <a:uFillTx/>
                 <a:latin typeface="Roboto"/>
                 <a:ea typeface="Roboto"/>
               </a:rPr>
